--- a/P.A.C.M.A.N - PowerPoint.pptx
+++ b/P.A.C.M.A.N - PowerPoint.pptx
@@ -143,7 +143,7 @@
 <file path=ppt/charts/chart1.xml><?xml version="1.0" encoding="utf-8"?>
 <c:chartSpace xmlns:c="http://schemas.openxmlformats.org/drawingml/2006/chart" xmlns:a="http://schemas.openxmlformats.org/drawingml/2006/main" xmlns:r="http://schemas.openxmlformats.org/officeDocument/2006/relationships" xmlns:c16r2="http://schemas.microsoft.com/office/drawing/2015/06/chart">
   <c:date1904 val="0"/>
-  <c:lang val="en-US"/>
+  <c:lang val="cs-CZ"/>
   <c:roundedCorners val="0"/>
   <mc:AlternateContent xmlns:mc="http://schemas.openxmlformats.org/markup-compatibility/2006">
     <mc:Choice xmlns:c14="http://schemas.microsoft.com/office/drawing/2007/8/2/chart" Requires="c14">
@@ -205,7 +205,7 @@
               <a:cs typeface="+mn-cs"/>
             </a:defRPr>
           </a:pPr>
-          <a:endParaRPr lang="en-US"/>
+          <a:endParaRPr lang="cs-CZ"/>
         </a:p>
       </c:txPr>
     </c:title>
@@ -403,7 +403,7 @@
                 <a:cs typeface="+mn-cs"/>
               </a:defRPr>
             </a:pPr>
-            <a:endParaRPr lang="en-US"/>
+            <a:endParaRPr lang="cs-CZ"/>
           </a:p>
         </c:txPr>
         <c:crossAx val="1000041744"/>
@@ -462,7 +462,7 @@
                 <a:cs typeface="+mn-cs"/>
               </a:defRPr>
             </a:pPr>
-            <a:endParaRPr lang="en-US"/>
+            <a:endParaRPr lang="cs-CZ"/>
           </a:p>
         </c:txPr>
         <c:crossAx val="1000041416"/>
@@ -502,7 +502,7 @@
       <a:pPr>
         <a:defRPr lang="sv-SE" noProof="0"/>
       </a:pPr>
-      <a:endParaRPr lang="en-US"/>
+      <a:endParaRPr lang="cs-CZ"/>
     </a:p>
   </c:txPr>
   <c:externalData r:id="rId3">
@@ -515,7 +515,7 @@
 <file path=ppt/charts/chart2.xml><?xml version="1.0" encoding="utf-8"?>
 <c:chartSpace xmlns:c="http://schemas.openxmlformats.org/drawingml/2006/chart" xmlns:a="http://schemas.openxmlformats.org/drawingml/2006/main" xmlns:r="http://schemas.openxmlformats.org/officeDocument/2006/relationships" xmlns:c16r2="http://schemas.microsoft.com/office/drawing/2015/06/chart">
   <c:date1904 val="0"/>
-  <c:lang val="en-US"/>
+  <c:lang val="cs-CZ"/>
   <c:roundedCorners val="0"/>
   <mc:AlternateContent xmlns:mc="http://schemas.openxmlformats.org/markup-compatibility/2006">
     <mc:Choice xmlns:c14="http://schemas.microsoft.com/office/drawing/2007/8/2/chart" Requires="c14">
@@ -577,7 +577,7 @@
               <a:cs typeface="+mn-cs"/>
             </a:defRPr>
           </a:pPr>
-          <a:endParaRPr lang="en-US"/>
+          <a:endParaRPr lang="cs-CZ"/>
         </a:p>
       </c:txPr>
     </c:title>
@@ -828,7 +828,7 @@
                     <a:cs typeface="+mn-cs"/>
                   </a:defRPr>
                 </a:pPr>
-                <a:endParaRPr lang="en-US"/>
+                <a:endParaRPr lang="cs-CZ"/>
               </a:p>
             </c:txPr>
             <c:showLegendKey val="1"/>
@@ -940,7 +940,7 @@
       <a:pPr>
         <a:defRPr lang="sv-SE" noProof="0"/>
       </a:pPr>
-      <a:endParaRPr lang="en-US"/>
+      <a:endParaRPr lang="cs-CZ"/>
     </a:p>
   </c:txPr>
   <c:externalData r:id="rId3">
@@ -952,7 +952,7 @@
 <file path=ppt/charts/chart3.xml><?xml version="1.0" encoding="utf-8"?>
 <c:chartSpace xmlns:c="http://schemas.openxmlformats.org/drawingml/2006/chart" xmlns:a="http://schemas.openxmlformats.org/drawingml/2006/main" xmlns:r="http://schemas.openxmlformats.org/officeDocument/2006/relationships" xmlns:c16r2="http://schemas.microsoft.com/office/drawing/2015/06/chart">
   <c:date1904 val="0"/>
-  <c:lang val="en-US"/>
+  <c:lang val="cs-CZ"/>
   <c:roundedCorners val="0"/>
   <mc:AlternateContent xmlns:mc="http://schemas.openxmlformats.org/markup-compatibility/2006">
     <mc:Choice xmlns:c14="http://schemas.microsoft.com/office/drawing/2007/8/2/chart" Requires="c14">
@@ -1014,7 +1014,7 @@
               <a:cs typeface="+mn-cs"/>
             </a:defRPr>
           </a:pPr>
-          <a:endParaRPr lang="en-US"/>
+          <a:endParaRPr lang="cs-CZ"/>
         </a:p>
       </c:txPr>
     </c:title>
@@ -1269,7 +1269,7 @@
                 <a:cs typeface="+mn-cs"/>
               </a:defRPr>
             </a:pPr>
-            <a:endParaRPr lang="en-US"/>
+            <a:endParaRPr lang="cs-CZ"/>
           </a:p>
         </c:txPr>
         <c:crossAx val="1000041744"/>
@@ -1328,7 +1328,7 @@
                 <a:cs typeface="+mn-cs"/>
               </a:defRPr>
             </a:pPr>
-            <a:endParaRPr lang="en-US"/>
+            <a:endParaRPr lang="cs-CZ"/>
           </a:p>
         </c:txPr>
         <c:crossAx val="1000041416"/>
@@ -1368,7 +1368,7 @@
       <a:pPr>
         <a:defRPr lang="sv-SE" noProof="0"/>
       </a:pPr>
-      <a:endParaRPr lang="en-US"/>
+      <a:endParaRPr lang="cs-CZ"/>
     </a:p>
   </c:txPr>
   <c:externalData r:id="rId3">
@@ -14624,43 +14624,72 @@
           <a:lstStyle/>
           <a:p>
             <a:r>
-              <a:rPr lang="sv-SE"/>
+              <a:rPr lang="sv-SE" dirty="0"/>
               <a:t>Ireland – Dan Besleaga and Shane Pitman</a:t>
             </a:r>
           </a:p>
           <a:p>
             <a:r>
-              <a:rPr lang="sv-SE"/>
+              <a:rPr lang="sv-SE" dirty="0"/>
               <a:t>Spain - </a:t>
             </a:r>
             <a:r>
-              <a:rPr lang="es">
+              <a:rPr lang="es" dirty="0">
                 <a:ea typeface="+mn-lt"/>
                 <a:cs typeface="+mn-lt"/>
               </a:rPr>
               <a:t>Sergio Castillo and Mateo Sagaseta</a:t>
             </a:r>
-            <a:endParaRPr lang="sv-SE">
+            <a:endParaRPr lang="sv-SE" dirty="0">
               <a:ea typeface="+mn-lt"/>
               <a:cs typeface="+mn-lt"/>
             </a:endParaRPr>
           </a:p>
           <a:p>
             <a:r>
-              <a:rPr lang="es"/>
-              <a:t>Czech - </a:t>
-            </a:r>
-            <a:r>
-              <a:rPr lang="en-GB">
+              <a:rPr lang="cs-CZ" dirty="0" err="1"/>
+              <a:t>Czechia</a:t>
+            </a:r>
+            <a:r>
+              <a:rPr lang="es" dirty="0"/>
+              <a:t> - </a:t>
+            </a:r>
+            <a:r>
+              <a:rPr lang="en-GB" dirty="0">
                 <a:ea typeface="+mn-lt"/>
                 <a:cs typeface="+mn-lt"/>
               </a:rPr>
-              <a:t>Michael Kazda and Michal Dvořák</a:t>
-            </a:r>
-          </a:p>
-          <a:p>
-            <a:r>
-              <a:rPr lang="en-GB"/>
+              <a:t>Michael </a:t>
+            </a:r>
+            <a:r>
+              <a:rPr lang="en-GB" dirty="0" err="1">
+                <a:ea typeface="+mn-lt"/>
+                <a:cs typeface="+mn-lt"/>
+              </a:rPr>
+              <a:t>Kazda</a:t>
+            </a:r>
+            <a:r>
+              <a:rPr lang="en-GB" dirty="0">
+                <a:ea typeface="+mn-lt"/>
+                <a:cs typeface="+mn-lt"/>
+              </a:rPr>
+              <a:t> and Michal </a:t>
+            </a:r>
+            <a:r>
+              <a:rPr lang="en-GB" dirty="0" err="1">
+                <a:ea typeface="+mn-lt"/>
+                <a:cs typeface="+mn-lt"/>
+              </a:rPr>
+              <a:t>Dvořák</a:t>
+            </a:r>
+            <a:endParaRPr lang="en-GB" dirty="0">
+              <a:ea typeface="+mn-lt"/>
+              <a:cs typeface="+mn-lt"/>
+            </a:endParaRPr>
+          </a:p>
+          <a:p>
+            <a:r>
+              <a:rPr lang="en-GB" dirty="0"/>
               <a:t>Sweden – Johan Larm and Knut Lundgren</a:t>
             </a:r>
           </a:p>
@@ -16295,8 +16324,8 @@
         </p:nvSpPr>
         <p:spPr>
           <a:xfrm>
-            <a:off x="582293" y="3791526"/>
-            <a:ext cx="5472000" cy="2428351"/>
+            <a:off x="624000" y="3728372"/>
+            <a:ext cx="5472000" cy="2893145"/>
           </a:xfrm>
         </p:spPr>
         <p:txBody>
@@ -16306,50 +16335,51 @@
           <a:lstStyle/>
           <a:p>
             <a:r>
-              <a:rPr lang="sv-SE" err="1"/>
+              <a:rPr lang="sv-SE" dirty="0"/>
               <a:t>Python</a:t>
             </a:r>
-          </a:p>
-          <a:p>
-            <a:r>
-              <a:rPr lang="sv-SE" err="1"/>
+            <a:endParaRPr lang="cs-CZ" dirty="0"/>
+          </a:p>
+          <a:p>
+            <a:r>
+              <a:rPr lang="cs-CZ" dirty="0" err="1"/>
+              <a:t>Scrapy</a:t>
+            </a:r>
+            <a:endParaRPr lang="sv-SE" dirty="0"/>
+          </a:p>
+          <a:p>
+            <a:r>
+              <a:rPr lang="sv-SE" dirty="0"/>
               <a:t>MongoDB</a:t>
             </a:r>
-            <a:endParaRPr lang="sv-SE"/>
-          </a:p>
-          <a:p>
-            <a:r>
-              <a:rPr lang="sv-SE"/>
+          </a:p>
+          <a:p>
+            <a:r>
+              <a:rPr lang="sv-SE" dirty="0"/>
               <a:t>Pandas</a:t>
             </a:r>
           </a:p>
           <a:p>
             <a:r>
-              <a:rPr lang="sv-SE" err="1"/>
+              <a:rPr lang="sv-SE" dirty="0"/>
               <a:t>Matplotlib</a:t>
             </a:r>
-            <a:endParaRPr lang="sv-SE"/>
-          </a:p>
-          <a:p>
-            <a:r>
-              <a:rPr lang="sv-SE" err="1"/>
-              <a:t>Jupyter</a:t>
-            </a:r>
-            <a:r>
-              <a:rPr lang="sv-SE"/>
-              <a:t> Notebook</a:t>
-            </a:r>
-          </a:p>
-          <a:p>
-            <a:r>
-              <a:rPr lang="sv-SE" err="1"/>
+          </a:p>
+          <a:p>
+            <a:r>
+              <a:rPr lang="sv-SE" dirty="0"/>
+              <a:t>Jupyter Notebook</a:t>
+            </a:r>
+          </a:p>
+          <a:p>
+            <a:r>
+              <a:rPr lang="sv-SE" dirty="0"/>
               <a:t>GitHub</a:t>
             </a:r>
-            <a:endParaRPr lang="sv-SE"/>
-          </a:p>
-          <a:p>
-            <a:r>
-              <a:rPr lang="sv-SE"/>
+          </a:p>
+          <a:p>
+            <a:r>
+              <a:rPr lang="sv-SE" dirty="0"/>
               <a:t>Microsoft Teams</a:t>
             </a:r>
           </a:p>
@@ -17190,12 +17220,12 @@
 </file>
 
 <file path=customXml/item1.xml><?xml version="1.0" encoding="utf-8"?>
-<?mso-contentType ?>
-<FormTemplates xmlns="http://schemas.microsoft.com/sharepoint/v3/contenttype/forms">
-  <Display>DocumentLibraryForm</Display>
-  <Edit>DocumentLibraryForm</Edit>
-  <New>DocumentLibraryForm</New>
-</FormTemplates>
+<p:properties xmlns:p="http://schemas.microsoft.com/office/2006/metadata/properties" xmlns:xsi="http://www.w3.org/2001/XMLSchema-instance" xmlns:pc="http://schemas.microsoft.com/office/infopath/2007/PartnerControls">
+  <documentManagement>
+    <Status xmlns="71af3243-3dd4-4a8d-8c0d-dd76da1f02a5">Not started</Status>
+    <MediaServiceKeyPoints xmlns="71af3243-3dd4-4a8d-8c0d-dd76da1f02a5" xsi:nil="true"/>
+  </documentManagement>
+</p:properties>
 </file>
 
 <file path=customXml/item2.xml><?xml version="1.0" encoding="utf-8"?>
@@ -17420,18 +17450,20 @@
 </file>
 
 <file path=customXml/item3.xml><?xml version="1.0" encoding="utf-8"?>
-<p:properties xmlns:p="http://schemas.microsoft.com/office/2006/metadata/properties" xmlns:xsi="http://www.w3.org/2001/XMLSchema-instance" xmlns:pc="http://schemas.microsoft.com/office/infopath/2007/PartnerControls">
-  <documentManagement>
-    <Status xmlns="71af3243-3dd4-4a8d-8c0d-dd76da1f02a5">Not started</Status>
-    <MediaServiceKeyPoints xmlns="71af3243-3dd4-4a8d-8c0d-dd76da1f02a5" xsi:nil="true"/>
-  </documentManagement>
-</p:properties>
+<?mso-contentType ?>
+<FormTemplates xmlns="http://schemas.microsoft.com/sharepoint/v3/contenttype/forms">
+  <Display>DocumentLibraryForm</Display>
+  <Edit>DocumentLibraryForm</Edit>
+  <New>DocumentLibraryForm</New>
+</FormTemplates>
 </file>
 
 <file path=customXml/itemProps1.xml><?xml version="1.0" encoding="utf-8"?>
-<ds:datastoreItem xmlns:ds="http://schemas.openxmlformats.org/officeDocument/2006/customXml" ds:itemID="{2AF4CCF4-D450-4896-9D26-824C258C6A9C}">
+<ds:datastoreItem xmlns:ds="http://schemas.openxmlformats.org/officeDocument/2006/customXml" ds:itemID="{C389EDE6-EADC-4C51-A618-17CCFAE3C12F}">
   <ds:schemaRefs>
-    <ds:schemaRef ds:uri="http://schemas.microsoft.com/sharepoint/v3/contenttype/forms"/>
+    <ds:schemaRef ds:uri="71af3243-3dd4-4a8d-8c0d-dd76da1f02a5"/>
+    <ds:schemaRef ds:uri="http://schemas.microsoft.com/office/2006/metadata/properties"/>
+    <ds:schemaRef ds:uri="http://schemas.microsoft.com/office/infopath/2007/PartnerControls"/>
   </ds:schemaRefs>
 </ds:datastoreItem>
 </file>
@@ -17456,11 +17488,9 @@
 </file>
 
 <file path=customXml/itemProps3.xml><?xml version="1.0" encoding="utf-8"?>
-<ds:datastoreItem xmlns:ds="http://schemas.openxmlformats.org/officeDocument/2006/customXml" ds:itemID="{C389EDE6-EADC-4C51-A618-17CCFAE3C12F}">
+<ds:datastoreItem xmlns:ds="http://schemas.openxmlformats.org/officeDocument/2006/customXml" ds:itemID="{2AF4CCF4-D450-4896-9D26-824C258C6A9C}">
   <ds:schemaRefs>
-    <ds:schemaRef ds:uri="71af3243-3dd4-4a8d-8c0d-dd76da1f02a5"/>
-    <ds:schemaRef ds:uri="http://schemas.microsoft.com/office/2006/metadata/properties"/>
-    <ds:schemaRef ds:uri="http://schemas.microsoft.com/office/infopath/2007/PartnerControls"/>
+    <ds:schemaRef ds:uri="http://schemas.microsoft.com/sharepoint/v3/contenttype/forms"/>
   </ds:schemaRefs>
 </ds:datastoreItem>
 </file>